--- a/NHOM7.pptx
+++ b/NHOM7.pptx
@@ -1,25 +1,25 @@
 
 <file path=ppt/presentation.xml><?xml version="1.0" encoding="utf-8"?>
-<p:presentation xmlns:a="http://schemas.openxmlformats.org/drawingml/2006/main" xmlns:r="http://schemas.openxmlformats.org/officeDocument/2006/relationships" xmlns:p="http://schemas.openxmlformats.org/presentationml/2006/main" saveSubsetFonts="1">
+<p:presentation xmlns:a="http://schemas.openxmlformats.org/drawingml/2006/main" xmlns:r="http://schemas.openxmlformats.org/officeDocument/2006/relationships" xmlns:p="http://schemas.openxmlformats.org/presentationml/2006/main">
   <p:sldMasterIdLst>
-    <p:sldMasterId id="2147483660" r:id="rId1"/>
+    <p:sldMasterId id="2147483648" r:id="rId1"/>
   </p:sldMasterIdLst>
   <p:sldIdLst>
-    <p:sldId id="256" r:id="rId2"/>
-    <p:sldId id="257" r:id="rId3"/>
-    <p:sldId id="258" r:id="rId4"/>
-    <p:sldId id="259" r:id="rId5"/>
-    <p:sldId id="260" r:id="rId6"/>
-    <p:sldId id="261" r:id="rId7"/>
-    <p:sldId id="262" r:id="rId8"/>
-    <p:sldId id="263" r:id="rId9"/>
-    <p:sldId id="264" r:id="rId10"/>
-    <p:sldId id="266" r:id="rId11"/>
-    <p:sldId id="267" r:id="rId12"/>
-    <p:sldId id="268" r:id="rId13"/>
-    <p:sldId id="269" r:id="rId14"/>
-    <p:sldId id="270" r:id="rId15"/>
-    <p:sldId id="271" r:id="rId16"/>
+    <p:sldId id="256" r:id="rId3"/>
+    <p:sldId id="257" r:id="rId4"/>
+    <p:sldId id="258" r:id="rId5"/>
+    <p:sldId id="259" r:id="rId6"/>
+    <p:sldId id="260" r:id="rId7"/>
+    <p:sldId id="261" r:id="rId8"/>
+    <p:sldId id="262" r:id="rId9"/>
+    <p:sldId id="263" r:id="rId10"/>
+    <p:sldId id="264" r:id="rId11"/>
+    <p:sldId id="266" r:id="rId12"/>
+    <p:sldId id="267" r:id="rId13"/>
+    <p:sldId id="268" r:id="rId14"/>
+    <p:sldId id="269" r:id="rId15"/>
+    <p:sldId id="270" r:id="rId16"/>
+    <p:sldId id="271" r:id="rId17"/>
   </p:sldIdLst>
   <p:sldSz cx="12192000" cy="6858000"/>
   <p:notesSz cx="6858000" cy="9144000"/>
@@ -122,7 +122,7 @@
 </file>
 
 <file path=ppt/slideLayouts/slideLayout1.xml><?xml version="1.0" encoding="utf-8"?>
-<p:sldLayout xmlns:a="http://schemas.openxmlformats.org/drawingml/2006/main" xmlns:r="http://schemas.openxmlformats.org/officeDocument/2006/relationships" xmlns:p="http://schemas.openxmlformats.org/presentationml/2006/main" showMasterSp="0" type="title" preserve="1">
+<p:sldLayout xmlns:a="http://schemas.openxmlformats.org/drawingml/2006/main" xmlns:r="http://schemas.openxmlformats.org/officeDocument/2006/relationships" xmlns:p="http://schemas.openxmlformats.org/presentationml/2006/main" type="title" preserve="1" showMasterSp="0">
   <p:cSld name="Title Slide">
     <p:spTree>
       <p:nvGrpSpPr>
@@ -312,7 +312,6 @@
           <a:p>
             <a:fld id="{195A03A8-AC17-4733-B06A-AFA92E8BC992}" type="datetimeFigureOut">
               <a:rPr lang="en-US" smtClean="0"/>
-              <a:t>8/5/2020</a:t>
             </a:fld>
             <a:endParaRPr lang="en-US"/>
           </a:p>
@@ -354,7 +353,6 @@
           <a:p>
             <a:fld id="{0E1681FF-13BC-46F3-BD5B-CC687BE395B3}" type="slidenum">
               <a:rPr lang="en-US" smtClean="0"/>
-              <a:t>‹#›</a:t>
             </a:fld>
             <a:endParaRPr lang="en-US"/>
           </a:p>
@@ -536,11 +534,6 @@
         </p:style>
       </p:cxnSp>
     </p:spTree>
-    <p:extLst>
-      <p:ext uri="{BB962C8B-B14F-4D97-AF65-F5344CB8AC3E}">
-        <p14:creationId xmlns:p14="http://schemas.microsoft.com/office/powerpoint/2010/main" val="2762496231"/>
-      </p:ext>
-    </p:extLst>
   </p:cSld>
   <p:clrMapOvr>
     <a:masterClrMapping/>
@@ -728,6 +721,7 @@
               <a:rPr lang="en-US"/>
               <a:t>Click to edit Master text styles</a:t>
             </a:r>
+            <a:endParaRPr lang="en-US"/>
           </a:p>
         </p:txBody>
       </p:sp>
@@ -748,7 +742,6 @@
           <a:p>
             <a:fld id="{195A03A8-AC17-4733-B06A-AFA92E8BC992}" type="datetimeFigureOut">
               <a:rPr lang="en-US" smtClean="0"/>
-              <a:t>8/5/2020</a:t>
             </a:fld>
             <a:endParaRPr lang="en-US"/>
           </a:p>
@@ -790,18 +783,12 @@
           <a:p>
             <a:fld id="{0E1681FF-13BC-46F3-BD5B-CC687BE395B3}" type="slidenum">
               <a:rPr lang="en-US" smtClean="0"/>
-              <a:t>‹#›</a:t>
             </a:fld>
             <a:endParaRPr lang="en-US"/>
           </a:p>
         </p:txBody>
       </p:sp>
     </p:spTree>
-    <p:extLst>
-      <p:ext uri="{BB962C8B-B14F-4D97-AF65-F5344CB8AC3E}">
-        <p14:creationId xmlns:p14="http://schemas.microsoft.com/office/powerpoint/2010/main" val="665745867"/>
-      </p:ext>
-    </p:extLst>
   </p:cSld>
   <p:clrMapOvr>
     <a:masterClrMapping/>
@@ -978,6 +965,7 @@
               <a:rPr lang="en-US"/>
               <a:t>Click to edit Master text styles</a:t>
             </a:r>
+            <a:endParaRPr lang="en-US"/>
           </a:p>
         </p:txBody>
       </p:sp>
@@ -998,7 +986,6 @@
           <a:p>
             <a:fld id="{195A03A8-AC17-4733-B06A-AFA92E8BC992}" type="datetimeFigureOut">
               <a:rPr lang="en-US" smtClean="0"/>
-              <a:t>8/5/2020</a:t>
             </a:fld>
             <a:endParaRPr lang="en-US"/>
           </a:p>
@@ -1040,18 +1027,12 @@
           <a:p>
             <a:fld id="{0E1681FF-13BC-46F3-BD5B-CC687BE395B3}" type="slidenum">
               <a:rPr lang="en-US" smtClean="0"/>
-              <a:t>‹#›</a:t>
             </a:fld>
             <a:endParaRPr lang="en-US"/>
           </a:p>
         </p:txBody>
       </p:sp>
     </p:spTree>
-    <p:extLst>
-      <p:ext uri="{BB962C8B-B14F-4D97-AF65-F5344CB8AC3E}">
-        <p14:creationId xmlns:p14="http://schemas.microsoft.com/office/powerpoint/2010/main" val="1840519240"/>
-      </p:ext>
-    </p:extLst>
   </p:cSld>
   <p:clrMapOvr>
     <a:masterClrMapping/>
@@ -1165,6 +1146,7 @@
               <a:rPr lang="en-US"/>
               <a:t>Click to edit Master text styles</a:t>
             </a:r>
+            <a:endParaRPr lang="en-US"/>
           </a:p>
         </p:txBody>
       </p:sp>
@@ -1286,6 +1268,7 @@
               <a:rPr lang="en-US"/>
               <a:t>Click to edit Master text styles</a:t>
             </a:r>
+            <a:endParaRPr lang="en-US"/>
           </a:p>
         </p:txBody>
       </p:sp>
@@ -1306,7 +1289,6 @@
           <a:p>
             <a:fld id="{195A03A8-AC17-4733-B06A-AFA92E8BC992}" type="datetimeFigureOut">
               <a:rPr lang="en-US" smtClean="0"/>
-              <a:t>8/5/2020</a:t>
             </a:fld>
             <a:endParaRPr lang="en-US"/>
           </a:p>
@@ -1348,7 +1330,6 @@
           <a:p>
             <a:fld id="{0E1681FF-13BC-46F3-BD5B-CC687BE395B3}" type="slidenum">
               <a:rPr lang="en-US" smtClean="0"/>
-              <a:t>‹#›</a:t>
             </a:fld>
             <a:endParaRPr lang="en-US"/>
           </a:p>
@@ -1385,6 +1366,12 @@
               </a:rPr>
               <a:t>“</a:t>
             </a:r>
+            <a:endParaRPr lang="en-US" sz="8000" dirty="0">
+              <a:solidFill>
+                <a:schemeClr val="tx1"/>
+              </a:solidFill>
+              <a:effectLst/>
+            </a:endParaRPr>
           </a:p>
         </p:txBody>
       </p:sp>
@@ -1419,15 +1406,16 @@
               </a:rPr>
               <a:t>”</a:t>
             </a:r>
+            <a:endParaRPr lang="en-US" sz="8000" dirty="0">
+              <a:solidFill>
+                <a:schemeClr val="tx1"/>
+              </a:solidFill>
+              <a:effectLst/>
+            </a:endParaRPr>
           </a:p>
         </p:txBody>
       </p:sp>
     </p:spTree>
-    <p:extLst>
-      <p:ext uri="{BB962C8B-B14F-4D97-AF65-F5344CB8AC3E}">
-        <p14:creationId xmlns:p14="http://schemas.microsoft.com/office/powerpoint/2010/main" val="4094851889"/>
-      </p:ext>
-    </p:extLst>
   </p:cSld>
   <p:clrMapOvr>
     <a:masterClrMapping/>
@@ -1604,6 +1592,7 @@
               <a:rPr lang="en-US"/>
               <a:t>Click to edit Master text styles</a:t>
             </a:r>
+            <a:endParaRPr lang="en-US"/>
           </a:p>
         </p:txBody>
       </p:sp>
@@ -1624,7 +1613,6 @@
           <a:p>
             <a:fld id="{195A03A8-AC17-4733-B06A-AFA92E8BC992}" type="datetimeFigureOut">
               <a:rPr lang="en-US" smtClean="0"/>
-              <a:t>8/5/2020</a:t>
             </a:fld>
             <a:endParaRPr lang="en-US"/>
           </a:p>
@@ -1666,18 +1654,12 @@
           <a:p>
             <a:fld id="{0E1681FF-13BC-46F3-BD5B-CC687BE395B3}" type="slidenum">
               <a:rPr lang="en-US" smtClean="0"/>
-              <a:t>‹#›</a:t>
             </a:fld>
             <a:endParaRPr lang="en-US"/>
           </a:p>
         </p:txBody>
       </p:sp>
     </p:spTree>
-    <p:extLst>
-      <p:ext uri="{BB962C8B-B14F-4D97-AF65-F5344CB8AC3E}">
-        <p14:creationId xmlns:p14="http://schemas.microsoft.com/office/powerpoint/2010/main" val="588448421"/>
-      </p:ext>
-    </p:extLst>
   </p:cSld>
   <p:clrMapOvr>
     <a:masterClrMapping/>
@@ -1785,6 +1767,7 @@
               <a:rPr lang="en-US"/>
               <a:t>Click to edit Master text styles</a:t>
             </a:r>
+            <a:endParaRPr lang="en-US"/>
           </a:p>
         </p:txBody>
       </p:sp>
@@ -1906,6 +1889,7 @@
               <a:rPr lang="en-US"/>
               <a:t>Click to edit Master text styles</a:t>
             </a:r>
+            <a:endParaRPr lang="en-US"/>
           </a:p>
         </p:txBody>
       </p:sp>
@@ -1926,7 +1910,6 @@
           <a:p>
             <a:fld id="{195A03A8-AC17-4733-B06A-AFA92E8BC992}" type="datetimeFigureOut">
               <a:rPr lang="en-US" smtClean="0"/>
-              <a:t>8/5/2020</a:t>
             </a:fld>
             <a:endParaRPr lang="en-US"/>
           </a:p>
@@ -1968,7 +1951,6 @@
           <a:p>
             <a:fld id="{0E1681FF-13BC-46F3-BD5B-CC687BE395B3}" type="slidenum">
               <a:rPr lang="en-US" smtClean="0"/>
-              <a:t>‹#›</a:t>
             </a:fld>
             <a:endParaRPr lang="en-US"/>
           </a:p>
@@ -2005,6 +1987,12 @@
               </a:rPr>
               <a:t>“</a:t>
             </a:r>
+            <a:endParaRPr lang="en-US" sz="8000" dirty="0">
+              <a:solidFill>
+                <a:schemeClr val="tx1"/>
+              </a:solidFill>
+              <a:effectLst/>
+            </a:endParaRPr>
           </a:p>
         </p:txBody>
       </p:sp>
@@ -2039,15 +2027,16 @@
               </a:rPr>
               <a:t>”</a:t>
             </a:r>
+            <a:endParaRPr lang="en-US" sz="8000" dirty="0">
+              <a:solidFill>
+                <a:schemeClr val="tx1"/>
+              </a:solidFill>
+              <a:effectLst/>
+            </a:endParaRPr>
           </a:p>
         </p:txBody>
       </p:sp>
     </p:spTree>
-    <p:extLst>
-      <p:ext uri="{BB962C8B-B14F-4D97-AF65-F5344CB8AC3E}">
-        <p14:creationId xmlns:p14="http://schemas.microsoft.com/office/powerpoint/2010/main" val="4259739085"/>
-      </p:ext>
-    </p:extLst>
   </p:cSld>
   <p:clrMapOvr>
     <a:masterClrMapping/>
@@ -2152,6 +2141,7 @@
               <a:rPr lang="en-US"/>
               <a:t>Click to edit Master text styles</a:t>
             </a:r>
+            <a:endParaRPr lang="en-US"/>
           </a:p>
         </p:txBody>
       </p:sp>
@@ -2273,6 +2263,7 @@
               <a:rPr lang="en-US"/>
               <a:t>Click to edit Master text styles</a:t>
             </a:r>
+            <a:endParaRPr lang="en-US"/>
           </a:p>
         </p:txBody>
       </p:sp>
@@ -2293,7 +2284,6 @@
           <a:p>
             <a:fld id="{195A03A8-AC17-4733-B06A-AFA92E8BC992}" type="datetimeFigureOut">
               <a:rPr lang="en-US" smtClean="0"/>
-              <a:t>8/5/2020</a:t>
             </a:fld>
             <a:endParaRPr lang="en-US"/>
           </a:p>
@@ -2335,18 +2325,12 @@
           <a:p>
             <a:fld id="{0E1681FF-13BC-46F3-BD5B-CC687BE395B3}" type="slidenum">
               <a:rPr lang="en-US" smtClean="0"/>
-              <a:t>‹#›</a:t>
             </a:fld>
             <a:endParaRPr lang="en-US"/>
           </a:p>
         </p:txBody>
       </p:sp>
     </p:spTree>
-    <p:extLst>
-      <p:ext uri="{BB962C8B-B14F-4D97-AF65-F5344CB8AC3E}">
-        <p14:creationId xmlns:p14="http://schemas.microsoft.com/office/powerpoint/2010/main" val="111820620"/>
-      </p:ext>
-    </p:extLst>
   </p:cSld>
   <p:clrMapOvr>
     <a:masterClrMapping/>
@@ -2418,6 +2402,7 @@
               <a:rPr lang="en-US"/>
               <a:t>Click to edit Master text styles</a:t>
             </a:r>
+            <a:endParaRPr lang="en-US"/>
           </a:p>
           <a:p>
             <a:pPr lvl="1"/>
@@ -2425,6 +2410,7 @@
               <a:rPr lang="en-US"/>
               <a:t>Second level</a:t>
             </a:r>
+            <a:endParaRPr lang="en-US"/>
           </a:p>
           <a:p>
             <a:pPr lvl="2"/>
@@ -2432,6 +2418,7 @@
               <a:rPr lang="en-US"/>
               <a:t>Third level</a:t>
             </a:r>
+            <a:endParaRPr lang="en-US"/>
           </a:p>
           <a:p>
             <a:pPr lvl="3"/>
@@ -2439,6 +2426,7 @@
               <a:rPr lang="en-US"/>
               <a:t>Fourth level</a:t>
             </a:r>
+            <a:endParaRPr lang="en-US"/>
           </a:p>
           <a:p>
             <a:pPr lvl="4"/>
@@ -2467,7 +2455,6 @@
           <a:p>
             <a:fld id="{195A03A8-AC17-4733-B06A-AFA92E8BC992}" type="datetimeFigureOut">
               <a:rPr lang="en-US" smtClean="0"/>
-              <a:t>8/5/2020</a:t>
             </a:fld>
             <a:endParaRPr lang="en-US"/>
           </a:p>
@@ -2509,18 +2496,12 @@
           <a:p>
             <a:fld id="{0E1681FF-13BC-46F3-BD5B-CC687BE395B3}" type="slidenum">
               <a:rPr lang="en-US" smtClean="0"/>
-              <a:t>‹#›</a:t>
             </a:fld>
             <a:endParaRPr lang="en-US"/>
           </a:p>
         </p:txBody>
       </p:sp>
     </p:spTree>
-    <p:extLst>
-      <p:ext uri="{BB962C8B-B14F-4D97-AF65-F5344CB8AC3E}">
-        <p14:creationId xmlns:p14="http://schemas.microsoft.com/office/powerpoint/2010/main" val="3268410945"/>
-      </p:ext>
-    </p:extLst>
   </p:cSld>
   <p:clrMapOvr>
     <a:masterClrMapping/>
@@ -2598,6 +2579,7 @@
               <a:rPr lang="en-US"/>
               <a:t>Click to edit Master text styles</a:t>
             </a:r>
+            <a:endParaRPr lang="en-US"/>
           </a:p>
           <a:p>
             <a:pPr lvl="1"/>
@@ -2605,6 +2587,7 @@
               <a:rPr lang="en-US"/>
               <a:t>Second level</a:t>
             </a:r>
+            <a:endParaRPr lang="en-US"/>
           </a:p>
           <a:p>
             <a:pPr lvl="2"/>
@@ -2612,6 +2595,7 @@
               <a:rPr lang="en-US"/>
               <a:t>Third level</a:t>
             </a:r>
+            <a:endParaRPr lang="en-US"/>
           </a:p>
           <a:p>
             <a:pPr lvl="3"/>
@@ -2619,6 +2603,7 @@
               <a:rPr lang="en-US"/>
               <a:t>Fourth level</a:t>
             </a:r>
+            <a:endParaRPr lang="en-US"/>
           </a:p>
           <a:p>
             <a:pPr lvl="4"/>
@@ -2647,7 +2632,6 @@
           <a:p>
             <a:fld id="{195A03A8-AC17-4733-B06A-AFA92E8BC992}" type="datetimeFigureOut">
               <a:rPr lang="en-US" smtClean="0"/>
-              <a:t>8/5/2020</a:t>
             </a:fld>
             <a:endParaRPr lang="en-US"/>
           </a:p>
@@ -2689,18 +2673,12 @@
           <a:p>
             <a:fld id="{0E1681FF-13BC-46F3-BD5B-CC687BE395B3}" type="slidenum">
               <a:rPr lang="en-US" smtClean="0"/>
-              <a:t>‹#›</a:t>
             </a:fld>
             <a:endParaRPr lang="en-US"/>
           </a:p>
         </p:txBody>
       </p:sp>
     </p:spTree>
-    <p:extLst>
-      <p:ext uri="{BB962C8B-B14F-4D97-AF65-F5344CB8AC3E}">
-        <p14:creationId xmlns:p14="http://schemas.microsoft.com/office/powerpoint/2010/main" val="2688546311"/>
-      </p:ext>
-    </p:extLst>
   </p:cSld>
   <p:clrMapOvr>
     <a:masterClrMapping/>
@@ -2768,6 +2746,7 @@
               <a:rPr lang="en-US"/>
               <a:t>Click to edit Master text styles</a:t>
             </a:r>
+            <a:endParaRPr lang="en-US"/>
           </a:p>
           <a:p>
             <a:pPr lvl="1"/>
@@ -2775,6 +2754,7 @@
               <a:rPr lang="en-US"/>
               <a:t>Second level</a:t>
             </a:r>
+            <a:endParaRPr lang="en-US"/>
           </a:p>
           <a:p>
             <a:pPr lvl="2"/>
@@ -2782,6 +2762,7 @@
               <a:rPr lang="en-US"/>
               <a:t>Third level</a:t>
             </a:r>
+            <a:endParaRPr lang="en-US"/>
           </a:p>
           <a:p>
             <a:pPr lvl="3"/>
@@ -2789,6 +2770,7 @@
               <a:rPr lang="en-US"/>
               <a:t>Fourth level</a:t>
             </a:r>
+            <a:endParaRPr lang="en-US"/>
           </a:p>
           <a:p>
             <a:pPr lvl="4"/>
@@ -2817,7 +2799,6 @@
           <a:p>
             <a:fld id="{195A03A8-AC17-4733-B06A-AFA92E8BC992}" type="datetimeFigureOut">
               <a:rPr lang="en-US" smtClean="0"/>
-              <a:t>8/5/2020</a:t>
             </a:fld>
             <a:endParaRPr lang="en-US"/>
           </a:p>
@@ -2859,18 +2840,12 @@
           <a:p>
             <a:fld id="{0E1681FF-13BC-46F3-BD5B-CC687BE395B3}" type="slidenum">
               <a:rPr lang="en-US" smtClean="0"/>
-              <a:t>‹#›</a:t>
             </a:fld>
             <a:endParaRPr lang="en-US"/>
           </a:p>
         </p:txBody>
       </p:sp>
     </p:spTree>
-    <p:extLst>
-      <p:ext uri="{BB962C8B-B14F-4D97-AF65-F5344CB8AC3E}">
-        <p14:creationId xmlns:p14="http://schemas.microsoft.com/office/powerpoint/2010/main" val="468217458"/>
-      </p:ext>
-    </p:extLst>
   </p:cSld>
   <p:clrMapOvr>
     <a:masterClrMapping/>
@@ -3047,6 +3022,7 @@
               <a:rPr lang="en-US"/>
               <a:t>Click to edit Master text styles</a:t>
             </a:r>
+            <a:endParaRPr lang="en-US"/>
           </a:p>
         </p:txBody>
       </p:sp>
@@ -3067,7 +3043,6 @@
           <a:p>
             <a:fld id="{195A03A8-AC17-4733-B06A-AFA92E8BC992}" type="datetimeFigureOut">
               <a:rPr lang="en-US" smtClean="0"/>
-              <a:t>8/5/2020</a:t>
             </a:fld>
             <a:endParaRPr lang="en-US"/>
           </a:p>
@@ -3109,18 +3084,12 @@
           <a:p>
             <a:fld id="{0E1681FF-13BC-46F3-BD5B-CC687BE395B3}" type="slidenum">
               <a:rPr lang="en-US" smtClean="0"/>
-              <a:t>‹#›</a:t>
             </a:fld>
             <a:endParaRPr lang="en-US"/>
           </a:p>
         </p:txBody>
       </p:sp>
     </p:spTree>
-    <p:extLst>
-      <p:ext uri="{BB962C8B-B14F-4D97-AF65-F5344CB8AC3E}">
-        <p14:creationId xmlns:p14="http://schemas.microsoft.com/office/powerpoint/2010/main" val="4100987453"/>
-      </p:ext>
-    </p:extLst>
   </p:cSld>
   <p:clrMapOvr>
     <a:masterClrMapping/>
@@ -3195,6 +3164,7 @@
               <a:rPr lang="en-US"/>
               <a:t>Click to edit Master text styles</a:t>
             </a:r>
+            <a:endParaRPr lang="en-US"/>
           </a:p>
           <a:p>
             <a:pPr lvl="1"/>
@@ -3202,6 +3172,7 @@
               <a:rPr lang="en-US"/>
               <a:t>Second level</a:t>
             </a:r>
+            <a:endParaRPr lang="en-US"/>
           </a:p>
           <a:p>
             <a:pPr lvl="2"/>
@@ -3209,6 +3180,7 @@
               <a:rPr lang="en-US"/>
               <a:t>Third level</a:t>
             </a:r>
+            <a:endParaRPr lang="en-US"/>
           </a:p>
           <a:p>
             <a:pPr lvl="3"/>
@@ -3216,6 +3188,7 @@
               <a:rPr lang="en-US"/>
               <a:t>Fourth level</a:t>
             </a:r>
+            <a:endParaRPr lang="en-US"/>
           </a:p>
           <a:p>
             <a:pPr lvl="4"/>
@@ -3254,6 +3227,7 @@
               <a:rPr lang="en-US"/>
               <a:t>Click to edit Master text styles</a:t>
             </a:r>
+            <a:endParaRPr lang="en-US"/>
           </a:p>
           <a:p>
             <a:pPr lvl="1"/>
@@ -3261,6 +3235,7 @@
               <a:rPr lang="en-US"/>
               <a:t>Second level</a:t>
             </a:r>
+            <a:endParaRPr lang="en-US"/>
           </a:p>
           <a:p>
             <a:pPr lvl="2"/>
@@ -3268,6 +3243,7 @@
               <a:rPr lang="en-US"/>
               <a:t>Third level</a:t>
             </a:r>
+            <a:endParaRPr lang="en-US"/>
           </a:p>
           <a:p>
             <a:pPr lvl="3"/>
@@ -3275,6 +3251,7 @@
               <a:rPr lang="en-US"/>
               <a:t>Fourth level</a:t>
             </a:r>
+            <a:endParaRPr lang="en-US"/>
           </a:p>
           <a:p>
             <a:pPr lvl="4"/>
@@ -3303,7 +3280,6 @@
           <a:p>
             <a:fld id="{195A03A8-AC17-4733-B06A-AFA92E8BC992}" type="datetimeFigureOut">
               <a:rPr lang="en-US" smtClean="0"/>
-              <a:t>8/5/2020</a:t>
             </a:fld>
             <a:endParaRPr lang="en-US"/>
           </a:p>
@@ -3345,18 +3321,12 @@
           <a:p>
             <a:fld id="{0E1681FF-13BC-46F3-BD5B-CC687BE395B3}" type="slidenum">
               <a:rPr lang="en-US" smtClean="0"/>
-              <a:t>‹#›</a:t>
             </a:fld>
             <a:endParaRPr lang="en-US"/>
           </a:p>
         </p:txBody>
       </p:sp>
     </p:spTree>
-    <p:extLst>
-      <p:ext uri="{BB962C8B-B14F-4D97-AF65-F5344CB8AC3E}">
-        <p14:creationId xmlns:p14="http://schemas.microsoft.com/office/powerpoint/2010/main" val="712729606"/>
-      </p:ext>
-    </p:extLst>
   </p:cSld>
   <p:clrMapOvr>
     <a:masterClrMapping/>
@@ -3476,6 +3446,7 @@
               <a:rPr lang="en-US"/>
               <a:t>Click to edit Master text styles</a:t>
             </a:r>
+            <a:endParaRPr lang="en-US"/>
           </a:p>
         </p:txBody>
       </p:sp>
@@ -3506,6 +3477,7 @@
               <a:rPr lang="en-US"/>
               <a:t>Click to edit Master text styles</a:t>
             </a:r>
+            <a:endParaRPr lang="en-US"/>
           </a:p>
           <a:p>
             <a:pPr lvl="1"/>
@@ -3513,6 +3485,7 @@
               <a:rPr lang="en-US"/>
               <a:t>Second level</a:t>
             </a:r>
+            <a:endParaRPr lang="en-US"/>
           </a:p>
           <a:p>
             <a:pPr lvl="2"/>
@@ -3520,6 +3493,7 @@
               <a:rPr lang="en-US"/>
               <a:t>Third level</a:t>
             </a:r>
+            <a:endParaRPr lang="en-US"/>
           </a:p>
           <a:p>
             <a:pPr lvl="3"/>
@@ -3527,6 +3501,7 @@
               <a:rPr lang="en-US"/>
               <a:t>Fourth level</a:t>
             </a:r>
+            <a:endParaRPr lang="en-US"/>
           </a:p>
           <a:p>
             <a:pPr lvl="4"/>
@@ -3606,6 +3581,7 @@
               <a:rPr lang="en-US"/>
               <a:t>Click to edit Master text styles</a:t>
             </a:r>
+            <a:endParaRPr lang="en-US"/>
           </a:p>
         </p:txBody>
       </p:sp>
@@ -3636,6 +3612,7 @@
               <a:rPr lang="en-US"/>
               <a:t>Click to edit Master text styles</a:t>
             </a:r>
+            <a:endParaRPr lang="en-US"/>
           </a:p>
           <a:p>
             <a:pPr lvl="1"/>
@@ -3643,6 +3620,7 @@
               <a:rPr lang="en-US"/>
               <a:t>Second level</a:t>
             </a:r>
+            <a:endParaRPr lang="en-US"/>
           </a:p>
           <a:p>
             <a:pPr lvl="2"/>
@@ -3650,6 +3628,7 @@
               <a:rPr lang="en-US"/>
               <a:t>Third level</a:t>
             </a:r>
+            <a:endParaRPr lang="en-US"/>
           </a:p>
           <a:p>
             <a:pPr lvl="3"/>
@@ -3657,6 +3636,7 @@
               <a:rPr lang="en-US"/>
               <a:t>Fourth level</a:t>
             </a:r>
+            <a:endParaRPr lang="en-US"/>
           </a:p>
           <a:p>
             <a:pPr lvl="4"/>
@@ -3685,7 +3665,6 @@
           <a:p>
             <a:fld id="{195A03A8-AC17-4733-B06A-AFA92E8BC992}" type="datetimeFigureOut">
               <a:rPr lang="en-US" smtClean="0"/>
-              <a:t>8/5/2020</a:t>
             </a:fld>
             <a:endParaRPr lang="en-US"/>
           </a:p>
@@ -3727,18 +3706,12 @@
           <a:p>
             <a:fld id="{0E1681FF-13BC-46F3-BD5B-CC687BE395B3}" type="slidenum">
               <a:rPr lang="en-US" smtClean="0"/>
-              <a:t>‹#›</a:t>
             </a:fld>
             <a:endParaRPr lang="en-US"/>
           </a:p>
         </p:txBody>
       </p:sp>
     </p:spTree>
-    <p:extLst>
-      <p:ext uri="{BB962C8B-B14F-4D97-AF65-F5344CB8AC3E}">
-        <p14:creationId xmlns:p14="http://schemas.microsoft.com/office/powerpoint/2010/main" val="804012106"/>
-      </p:ext>
-    </p:extLst>
   </p:cSld>
   <p:clrMapOvr>
     <a:masterClrMapping/>
@@ -3803,7 +3776,6 @@
           <a:p>
             <a:fld id="{195A03A8-AC17-4733-B06A-AFA92E8BC992}" type="datetimeFigureOut">
               <a:rPr lang="en-US" smtClean="0"/>
-              <a:t>8/5/2020</a:t>
             </a:fld>
             <a:endParaRPr lang="en-US"/>
           </a:p>
@@ -3845,18 +3817,12 @@
           <a:p>
             <a:fld id="{0E1681FF-13BC-46F3-BD5B-CC687BE395B3}" type="slidenum">
               <a:rPr lang="en-US" smtClean="0"/>
-              <a:t>‹#›</a:t>
             </a:fld>
             <a:endParaRPr lang="en-US"/>
           </a:p>
         </p:txBody>
       </p:sp>
     </p:spTree>
-    <p:extLst>
-      <p:ext uri="{BB962C8B-B14F-4D97-AF65-F5344CB8AC3E}">
-        <p14:creationId xmlns:p14="http://schemas.microsoft.com/office/powerpoint/2010/main" val="3996636507"/>
-      </p:ext>
-    </p:extLst>
   </p:cSld>
   <p:clrMapOvr>
     <a:masterClrMapping/>
@@ -3898,7 +3864,6 @@
           <a:p>
             <a:fld id="{195A03A8-AC17-4733-B06A-AFA92E8BC992}" type="datetimeFigureOut">
               <a:rPr lang="en-US" smtClean="0"/>
-              <a:t>8/5/2020</a:t>
             </a:fld>
             <a:endParaRPr lang="en-US"/>
           </a:p>
@@ -3940,18 +3905,12 @@
           <a:p>
             <a:fld id="{0E1681FF-13BC-46F3-BD5B-CC687BE395B3}" type="slidenum">
               <a:rPr lang="en-US" smtClean="0"/>
-              <a:t>‹#›</a:t>
             </a:fld>
             <a:endParaRPr lang="en-US"/>
           </a:p>
         </p:txBody>
       </p:sp>
     </p:spTree>
-    <p:extLst>
-      <p:ext uri="{BB962C8B-B14F-4D97-AF65-F5344CB8AC3E}">
-        <p14:creationId xmlns:p14="http://schemas.microsoft.com/office/powerpoint/2010/main" val="1428194601"/>
-      </p:ext>
-    </p:extLst>
   </p:cSld>
   <p:clrMapOvr>
     <a:masterClrMapping/>
@@ -4037,6 +3996,7 @@
               <a:rPr lang="en-US"/>
               <a:t>Click to edit Master text styles</a:t>
             </a:r>
+            <a:endParaRPr lang="en-US"/>
           </a:p>
           <a:p>
             <a:pPr lvl="1"/>
@@ -4044,6 +4004,7 @@
               <a:rPr lang="en-US"/>
               <a:t>Second level</a:t>
             </a:r>
+            <a:endParaRPr lang="en-US"/>
           </a:p>
           <a:p>
             <a:pPr lvl="2"/>
@@ -4051,6 +4012,7 @@
               <a:rPr lang="en-US"/>
               <a:t>Third level</a:t>
             </a:r>
+            <a:endParaRPr lang="en-US"/>
           </a:p>
           <a:p>
             <a:pPr lvl="3"/>
@@ -4058,6 +4020,7 @@
               <a:rPr lang="en-US"/>
               <a:t>Fourth level</a:t>
             </a:r>
+            <a:endParaRPr lang="en-US"/>
           </a:p>
           <a:p>
             <a:pPr lvl="4"/>
@@ -4133,6 +4096,7 @@
               <a:rPr lang="en-US"/>
               <a:t>Click to edit Master text styles</a:t>
             </a:r>
+            <a:endParaRPr lang="en-US"/>
           </a:p>
         </p:txBody>
       </p:sp>
@@ -4153,7 +4117,6 @@
           <a:p>
             <a:fld id="{195A03A8-AC17-4733-B06A-AFA92E8BC992}" type="datetimeFigureOut">
               <a:rPr lang="en-US" smtClean="0"/>
-              <a:t>8/5/2020</a:t>
             </a:fld>
             <a:endParaRPr lang="en-US"/>
           </a:p>
@@ -4195,18 +4158,12 @@
           <a:p>
             <a:fld id="{0E1681FF-13BC-46F3-BD5B-CC687BE395B3}" type="slidenum">
               <a:rPr lang="en-US" smtClean="0"/>
-              <a:t>‹#›</a:t>
             </a:fld>
             <a:endParaRPr lang="en-US"/>
           </a:p>
         </p:txBody>
       </p:sp>
     </p:spTree>
-    <p:extLst>
-      <p:ext uri="{BB962C8B-B14F-4D97-AF65-F5344CB8AC3E}">
-        <p14:creationId xmlns:p14="http://schemas.microsoft.com/office/powerpoint/2010/main" val="643674482"/>
-      </p:ext>
-    </p:extLst>
   </p:cSld>
   <p:clrMapOvr>
     <a:masterClrMapping/>
@@ -4416,6 +4373,7 @@
               <a:rPr lang="en-US"/>
               <a:t>Click to edit Master text styles</a:t>
             </a:r>
+            <a:endParaRPr lang="en-US"/>
           </a:p>
         </p:txBody>
       </p:sp>
@@ -4436,7 +4394,6 @@
           <a:p>
             <a:fld id="{195A03A8-AC17-4733-B06A-AFA92E8BC992}" type="datetimeFigureOut">
               <a:rPr lang="en-US" smtClean="0"/>
-              <a:t>8/5/2020</a:t>
             </a:fld>
             <a:endParaRPr lang="en-US"/>
           </a:p>
@@ -4478,18 +4435,12 @@
           <a:p>
             <a:fld id="{0E1681FF-13BC-46F3-BD5B-CC687BE395B3}" type="slidenum">
               <a:rPr lang="en-US" smtClean="0"/>
-              <a:t>‹#›</a:t>
             </a:fld>
             <a:endParaRPr lang="en-US"/>
           </a:p>
         </p:txBody>
       </p:sp>
     </p:spTree>
-    <p:extLst>
-      <p:ext uri="{BB962C8B-B14F-4D97-AF65-F5344CB8AC3E}">
-        <p14:creationId xmlns:p14="http://schemas.microsoft.com/office/powerpoint/2010/main" val="468405188"/>
-      </p:ext>
-    </p:extLst>
   </p:cSld>
   <p:clrMapOvr>
     <a:masterClrMapping/>
@@ -4773,6 +4724,7 @@
               <a:rPr lang="en-US"/>
               <a:t>Click to edit Master text styles</a:t>
             </a:r>
+            <a:endParaRPr lang="en-US"/>
           </a:p>
           <a:p>
             <a:pPr lvl="1"/>
@@ -4780,6 +4732,7 @@
               <a:rPr lang="en-US"/>
               <a:t>Second level</a:t>
             </a:r>
+            <a:endParaRPr lang="en-US"/>
           </a:p>
           <a:p>
             <a:pPr lvl="2"/>
@@ -4787,6 +4740,7 @@
               <a:rPr lang="en-US"/>
               <a:t>Third level</a:t>
             </a:r>
+            <a:endParaRPr lang="en-US"/>
           </a:p>
           <a:p>
             <a:pPr lvl="3"/>
@@ -4794,6 +4748,7 @@
               <a:rPr lang="en-US"/>
               <a:t>Fourth level</a:t>
             </a:r>
+            <a:endParaRPr lang="en-US"/>
           </a:p>
           <a:p>
             <a:pPr lvl="4"/>
@@ -4842,7 +4797,6 @@
           <a:p>
             <a:fld id="{195A03A8-AC17-4733-B06A-AFA92E8BC992}" type="datetimeFigureOut">
               <a:rPr lang="en-US" smtClean="0"/>
-              <a:t>8/5/2020</a:t>
             </a:fld>
             <a:endParaRPr lang="en-US"/>
           </a:p>
@@ -4924,38 +4878,32 @@
           <a:p>
             <a:fld id="{0E1681FF-13BC-46F3-BD5B-CC687BE395B3}" type="slidenum">
               <a:rPr lang="en-US" smtClean="0"/>
-              <a:t>‹#›</a:t>
             </a:fld>
             <a:endParaRPr lang="en-US"/>
           </a:p>
         </p:txBody>
       </p:sp>
     </p:spTree>
-    <p:extLst>
-      <p:ext uri="{BB962C8B-B14F-4D97-AF65-F5344CB8AC3E}">
-        <p14:creationId xmlns:p14="http://schemas.microsoft.com/office/powerpoint/2010/main" val="3405241251"/>
-      </p:ext>
-    </p:extLst>
   </p:cSld>
   <p:clrMap bg1="dk1" tx1="lt1" bg2="dk2" tx2="lt2" accent1="accent1" accent2="accent2" accent3="accent3" accent4="accent4" accent5="accent5" accent6="accent6" hlink="hlink" folHlink="folHlink"/>
   <p:sldLayoutIdLst>
-    <p:sldLayoutId id="2147483661" r:id="rId1"/>
-    <p:sldLayoutId id="2147483662" r:id="rId2"/>
-    <p:sldLayoutId id="2147483663" r:id="rId3"/>
-    <p:sldLayoutId id="2147483664" r:id="rId4"/>
-    <p:sldLayoutId id="2147483665" r:id="rId5"/>
-    <p:sldLayoutId id="2147483666" r:id="rId6"/>
-    <p:sldLayoutId id="2147483667" r:id="rId7"/>
-    <p:sldLayoutId id="2147483668" r:id="rId8"/>
-    <p:sldLayoutId id="2147483669" r:id="rId9"/>
-    <p:sldLayoutId id="2147483670" r:id="rId10"/>
-    <p:sldLayoutId id="2147483671" r:id="rId11"/>
-    <p:sldLayoutId id="2147483672" r:id="rId12"/>
-    <p:sldLayoutId id="2147483673" r:id="rId13"/>
-    <p:sldLayoutId id="2147483674" r:id="rId14"/>
-    <p:sldLayoutId id="2147483675" r:id="rId15"/>
-    <p:sldLayoutId id="2147483676" r:id="rId16"/>
-    <p:sldLayoutId id="2147483677" r:id="rId17"/>
+    <p:sldLayoutId id="2147483649" r:id="rId1"/>
+    <p:sldLayoutId id="2147483650" r:id="rId2"/>
+    <p:sldLayoutId id="2147483651" r:id="rId3"/>
+    <p:sldLayoutId id="2147483652" r:id="rId4"/>
+    <p:sldLayoutId id="2147483653" r:id="rId5"/>
+    <p:sldLayoutId id="2147483654" r:id="rId6"/>
+    <p:sldLayoutId id="2147483655" r:id="rId7"/>
+    <p:sldLayoutId id="2147483656" r:id="rId8"/>
+    <p:sldLayoutId id="2147483657" r:id="rId9"/>
+    <p:sldLayoutId id="2147483658" r:id="rId10"/>
+    <p:sldLayoutId id="2147483659" r:id="rId11"/>
+    <p:sldLayoutId id="2147483660" r:id="rId12"/>
+    <p:sldLayoutId id="2147483661" r:id="rId13"/>
+    <p:sldLayoutId id="2147483662" r:id="rId14"/>
+    <p:sldLayoutId id="2147483663" r:id="rId15"/>
+    <p:sldLayoutId id="2147483664" r:id="rId16"/>
+    <p:sldLayoutId id="2147483665" r:id="rId17"/>
   </p:sldLayoutIdLst>
   <p:txStyles>
     <p:titleStyle>
@@ -5379,13 +5327,7 @@
       </p:grpSpPr>
       <p:sp>
         <p:nvSpPr>
-          <p:cNvPr id="2" name="Title 1">
-            <a:extLst>
-              <a:ext uri="{FF2B5EF4-FFF2-40B4-BE49-F238E27FC236}">
-                <a16:creationId xmlns:a16="http://schemas.microsoft.com/office/drawing/2014/main" id="{7C2AEC04-A776-4721-A4FE-5975B763DD63}"/>
-              </a:ext>
-            </a:extLst>
-          </p:cNvPr>
+          <p:cNvPr id="2" name="Title 1"/>
           <p:cNvSpPr>
             <a:spLocks noGrp="1"/>
           </p:cNvSpPr>
@@ -5478,18 +5420,26 @@
               </a:rPr>
               <a:t>Vi - Dương</a:t>
             </a:r>
-          </a:p>
-        </p:txBody>
-      </p:sp>
-      <p:sp>
-        <p:nvSpPr>
-          <p:cNvPr id="3" name="Subtitle 2">
-            <a:extLst>
-              <a:ext uri="{FF2B5EF4-FFF2-40B4-BE49-F238E27FC236}">
-                <a16:creationId xmlns:a16="http://schemas.microsoft.com/office/drawing/2014/main" id="{9D18E5AF-52B4-42AC-B429-3004B2366F01}"/>
-              </a:ext>
-            </a:extLst>
-          </p:cNvPr>
+            <a:endParaRPr lang="en-US" b="1">
+              <a:ln w="22225">
+                <a:solidFill>
+                  <a:schemeClr val="accent2"/>
+                </a:solidFill>
+                <a:prstDash val="solid"/>
+              </a:ln>
+              <a:solidFill>
+                <a:schemeClr val="accent2">
+                  <a:lumMod val="40000"/>
+                  <a:lumOff val="60000"/>
+                </a:schemeClr>
+              </a:solidFill>
+            </a:endParaRPr>
+          </a:p>
+        </p:txBody>
+      </p:sp>
+      <p:sp>
+        <p:nvSpPr>
+          <p:cNvPr id="3" name="Subtitle 2"/>
           <p:cNvSpPr>
             <a:spLocks noGrp="1"/>
           </p:cNvSpPr>
@@ -5533,25 +5483,39 @@
               </a:rPr>
               <a:t>Đề án: Quản lý Truyền hình</a:t>
             </a:r>
+            <a:endParaRPr lang="en-US" sz="4000" b="1" u="sng" spc="50">
+              <a:ln w="9525" cmpd="sng">
+                <a:solidFill>
+                  <a:schemeClr val="accent1"/>
+                </a:solidFill>
+                <a:prstDash val="solid"/>
+              </a:ln>
+              <a:solidFill>
+                <a:srgbClr val="70AD47">
+                  <a:tint val="1000"/>
+                </a:srgbClr>
+              </a:solidFill>
+              <a:effectLst>
+                <a:glow rad="38100">
+                  <a:schemeClr val="accent1">
+                    <a:alpha val="40000"/>
+                  </a:schemeClr>
+                </a:glow>
+              </a:effectLst>
+            </a:endParaRPr>
           </a:p>
         </p:txBody>
       </p:sp>
       <p:pic>
         <p:nvPicPr>
-          <p:cNvPr id="5" name="Picture 4">
-            <a:extLst>
-              <a:ext uri="{FF2B5EF4-FFF2-40B4-BE49-F238E27FC236}">
-                <a16:creationId xmlns:a16="http://schemas.microsoft.com/office/drawing/2014/main" id="{E1E29F85-0668-4057-B625-627F9680EC2F}"/>
-              </a:ext>
-            </a:extLst>
-          </p:cNvPr>
+          <p:cNvPr id="5" name="Picture 4"/>
           <p:cNvPicPr>
             <a:picLocks noChangeAspect="1"/>
           </p:cNvPicPr>
           <p:nvPr/>
         </p:nvPicPr>
         <p:blipFill>
-          <a:blip r:embed="rId2">
+          <a:blip r:embed="rId1">
             <a:extLst>
               <a:ext uri="{28A0092B-C50C-407E-A947-70E740481C1C}">
                 <a14:useLocalDpi xmlns:a14="http://schemas.microsoft.com/office/drawing/2010/main" val="0"/>
@@ -5573,11 +5537,6 @@
         </p:spPr>
       </p:pic>
     </p:spTree>
-    <p:extLst>
-      <p:ext uri="{BB962C8B-B14F-4D97-AF65-F5344CB8AC3E}">
-        <p14:creationId xmlns:p14="http://schemas.microsoft.com/office/powerpoint/2010/main" val="778648886"/>
-      </p:ext>
-    </p:extLst>
   </p:cSld>
   <p:clrMapOvr>
     <a:masterClrMapping/>
@@ -5604,13 +5563,7 @@
       </p:grpSpPr>
       <p:sp>
         <p:nvSpPr>
-          <p:cNvPr id="2" name="Title 1">
-            <a:extLst>
-              <a:ext uri="{FF2B5EF4-FFF2-40B4-BE49-F238E27FC236}">
-                <a16:creationId xmlns:a16="http://schemas.microsoft.com/office/drawing/2014/main" id="{0DF0CFA7-B352-4369-A64D-6FC03AE55CE9}"/>
-              </a:ext>
-            </a:extLst>
-          </p:cNvPr>
+          <p:cNvPr id="2" name="Title 1"/>
           <p:cNvSpPr>
             <a:spLocks noGrp="1"/>
           </p:cNvSpPr>
@@ -5670,13 +5623,7 @@
       </p:sp>
       <p:pic>
         <p:nvPicPr>
-          <p:cNvPr id="7" name="Content Placeholder 6">
-            <a:extLst>
-              <a:ext uri="{FF2B5EF4-FFF2-40B4-BE49-F238E27FC236}">
-                <a16:creationId xmlns:a16="http://schemas.microsoft.com/office/drawing/2014/main" id="{C0E1562D-D89D-4E35-A596-173D8B1A8CDC}"/>
-              </a:ext>
-            </a:extLst>
-          </p:cNvPr>
+          <p:cNvPr id="7" name="Content Placeholder 6"/>
           <p:cNvPicPr>
             <a:picLocks noGrp="1" noChangeAspect="1"/>
           </p:cNvPicPr>
@@ -5685,7 +5632,7 @@
           </p:nvPr>
         </p:nvPicPr>
         <p:blipFill>
-          <a:blip r:embed="rId2">
+          <a:blip r:embed="rId1">
             <a:extLst>
               <a:ext uri="{28A0092B-C50C-407E-A947-70E740481C1C}">
                 <a14:useLocalDpi xmlns:a14="http://schemas.microsoft.com/office/drawing/2010/main" val="0"/>
@@ -5704,11 +5651,6 @@
         </p:spPr>
       </p:pic>
     </p:spTree>
-    <p:extLst>
-      <p:ext uri="{BB962C8B-B14F-4D97-AF65-F5344CB8AC3E}">
-        <p14:creationId xmlns:p14="http://schemas.microsoft.com/office/powerpoint/2010/main" val="1609839424"/>
-      </p:ext>
-    </p:extLst>
   </p:cSld>
   <p:clrMapOvr>
     <a:masterClrMapping/>
@@ -5735,13 +5677,7 @@
       </p:grpSpPr>
       <p:sp>
         <p:nvSpPr>
-          <p:cNvPr id="2" name="Title 1">
-            <a:extLst>
-              <a:ext uri="{FF2B5EF4-FFF2-40B4-BE49-F238E27FC236}">
-                <a16:creationId xmlns:a16="http://schemas.microsoft.com/office/drawing/2014/main" id="{0DF0CFA7-B352-4369-A64D-6FC03AE55CE9}"/>
-              </a:ext>
-            </a:extLst>
-          </p:cNvPr>
+          <p:cNvPr id="2" name="Title 1"/>
           <p:cNvSpPr>
             <a:spLocks noGrp="1"/>
           </p:cNvSpPr>
@@ -5801,19 +5737,40 @@
       </p:sp>
       <p:pic>
         <p:nvPicPr>
-          <p:cNvPr id="6" name="Content Placeholder 5">
-            <a:extLst>
-              <a:ext uri="{FF2B5EF4-FFF2-40B4-BE49-F238E27FC236}">
-                <a16:creationId xmlns:a16="http://schemas.microsoft.com/office/drawing/2014/main" id="{7A7244F4-DFD5-4AEA-8DA0-4BB4BFCEEE32}"/>
-              </a:ext>
-            </a:extLst>
-          </p:cNvPr>
+          <p:cNvPr id="6" name="Content Placeholder 5"/>
           <p:cNvPicPr>
             <a:picLocks noGrp="1" noChangeAspect="1"/>
           </p:cNvPicPr>
           <p:nvPr>
             <p:ph idx="1"/>
           </p:nvPr>
+        </p:nvPicPr>
+        <p:blipFill>
+          <a:blip r:embed="rId1">
+            <a:extLst>
+              <a:ext uri="{28A0092B-C50C-407E-A947-70E740481C1C}">
+                <a14:useLocalDpi xmlns:a14="http://schemas.microsoft.com/office/drawing/2010/main" val="0"/>
+              </a:ext>
+            </a:extLst>
+          </a:blip>
+          <a:stretch>
+            <a:fillRect/>
+          </a:stretch>
+        </p:blipFill>
+        <p:spPr>
+          <a:xfrm>
+            <a:off x="1750297" y="1404891"/>
+            <a:ext cx="3037565" cy="4809478"/>
+          </a:xfrm>
+        </p:spPr>
+      </p:pic>
+      <p:pic>
+        <p:nvPicPr>
+          <p:cNvPr id="9" name="Picture 8"/>
+          <p:cNvPicPr>
+            <a:picLocks noChangeAspect="1"/>
+          </p:cNvPicPr>
+          <p:nvPr/>
         </p:nvPicPr>
         <p:blipFill>
           <a:blip r:embed="rId2">
@@ -5829,39 +5786,6 @@
         </p:blipFill>
         <p:spPr>
           <a:xfrm>
-            <a:off x="1750297" y="1404891"/>
-            <a:ext cx="3037565" cy="4809478"/>
-          </a:xfrm>
-        </p:spPr>
-      </p:pic>
-      <p:pic>
-        <p:nvPicPr>
-          <p:cNvPr id="9" name="Picture 8">
-            <a:extLst>
-              <a:ext uri="{FF2B5EF4-FFF2-40B4-BE49-F238E27FC236}">
-                <a16:creationId xmlns:a16="http://schemas.microsoft.com/office/drawing/2014/main" id="{59FD09BF-D297-483C-9706-14BE79531129}"/>
-              </a:ext>
-            </a:extLst>
-          </p:cNvPr>
-          <p:cNvPicPr>
-            <a:picLocks noChangeAspect="1"/>
-          </p:cNvPicPr>
-          <p:nvPr/>
-        </p:nvPicPr>
-        <p:blipFill>
-          <a:blip r:embed="rId3">
-            <a:extLst>
-              <a:ext uri="{28A0092B-C50C-407E-A947-70E740481C1C}">
-                <a14:useLocalDpi xmlns:a14="http://schemas.microsoft.com/office/drawing/2010/main" val="0"/>
-              </a:ext>
-            </a:extLst>
-          </a:blip>
-          <a:stretch>
-            <a:fillRect/>
-          </a:stretch>
-        </p:blipFill>
-        <p:spPr>
-          <a:xfrm>
             <a:off x="7537141" y="1454014"/>
             <a:ext cx="3072321" cy="4915714"/>
           </a:xfrm>
@@ -5871,11 +5795,6 @@
         </p:spPr>
       </p:pic>
     </p:spTree>
-    <p:extLst>
-      <p:ext uri="{BB962C8B-B14F-4D97-AF65-F5344CB8AC3E}">
-        <p14:creationId xmlns:p14="http://schemas.microsoft.com/office/powerpoint/2010/main" val="3472702838"/>
-      </p:ext>
-    </p:extLst>
   </p:cSld>
   <p:clrMapOvr>
     <a:masterClrMapping/>
@@ -5902,13 +5821,7 @@
       </p:grpSpPr>
       <p:sp>
         <p:nvSpPr>
-          <p:cNvPr id="2" name="Title 1">
-            <a:extLst>
-              <a:ext uri="{FF2B5EF4-FFF2-40B4-BE49-F238E27FC236}">
-                <a16:creationId xmlns:a16="http://schemas.microsoft.com/office/drawing/2014/main" id="{0DF0CFA7-B352-4369-A64D-6FC03AE55CE9}"/>
-              </a:ext>
-            </a:extLst>
-          </p:cNvPr>
+          <p:cNvPr id="2" name="Title 1"/>
           <p:cNvSpPr>
             <a:spLocks noGrp="1"/>
           </p:cNvSpPr>
@@ -5968,13 +5881,7 @@
       </p:sp>
       <p:pic>
         <p:nvPicPr>
-          <p:cNvPr id="6" name="Content Placeholder 5">
-            <a:extLst>
-              <a:ext uri="{FF2B5EF4-FFF2-40B4-BE49-F238E27FC236}">
-                <a16:creationId xmlns:a16="http://schemas.microsoft.com/office/drawing/2014/main" id="{818D7140-A855-4740-9322-3ABABF12CFF3}"/>
-              </a:ext>
-            </a:extLst>
-          </p:cNvPr>
+          <p:cNvPr id="6" name="Content Placeholder 5"/>
           <p:cNvPicPr>
             <a:picLocks noGrp="1" noChangeAspect="1"/>
           </p:cNvPicPr>
@@ -5983,7 +5890,7 @@
           </p:nvPr>
         </p:nvPicPr>
         <p:blipFill>
-          <a:blip r:embed="rId2">
+          <a:blip r:embed="rId1">
             <a:extLst>
               <a:ext uri="{28A0092B-C50C-407E-A947-70E740481C1C}">
                 <a14:useLocalDpi xmlns:a14="http://schemas.microsoft.com/office/drawing/2010/main" val="0"/>
@@ -6002,11 +5909,6 @@
         </p:spPr>
       </p:pic>
     </p:spTree>
-    <p:extLst>
-      <p:ext uri="{BB962C8B-B14F-4D97-AF65-F5344CB8AC3E}">
-        <p14:creationId xmlns:p14="http://schemas.microsoft.com/office/powerpoint/2010/main" val="2002418632"/>
-      </p:ext>
-    </p:extLst>
   </p:cSld>
   <p:clrMapOvr>
     <a:masterClrMapping/>
@@ -6033,13 +5935,7 @@
       </p:grpSpPr>
       <p:sp>
         <p:nvSpPr>
-          <p:cNvPr id="2" name="Title 1">
-            <a:extLst>
-              <a:ext uri="{FF2B5EF4-FFF2-40B4-BE49-F238E27FC236}">
-                <a16:creationId xmlns:a16="http://schemas.microsoft.com/office/drawing/2014/main" id="{0DF0CFA7-B352-4369-A64D-6FC03AE55CE9}"/>
-              </a:ext>
-            </a:extLst>
-          </p:cNvPr>
+          <p:cNvPr id="2" name="Title 1"/>
           <p:cNvSpPr>
             <a:spLocks noGrp="1"/>
           </p:cNvSpPr>
@@ -6099,13 +5995,7 @@
       </p:sp>
       <p:pic>
         <p:nvPicPr>
-          <p:cNvPr id="11" name="Content Placeholder 10">
-            <a:extLst>
-              <a:ext uri="{FF2B5EF4-FFF2-40B4-BE49-F238E27FC236}">
-                <a16:creationId xmlns:a16="http://schemas.microsoft.com/office/drawing/2014/main" id="{91387FDD-1CA1-4020-83C0-4D7983149184}"/>
-              </a:ext>
-            </a:extLst>
-          </p:cNvPr>
+          <p:cNvPr id="11" name="Content Placeholder 10"/>
           <p:cNvPicPr>
             <a:picLocks noGrp="1" noChangeAspect="1"/>
           </p:cNvPicPr>
@@ -6114,7 +6004,7 @@
           </p:nvPr>
         </p:nvPicPr>
         <p:blipFill>
-          <a:blip r:embed="rId2">
+          <a:blip r:embed="rId1">
             <a:extLst>
               <a:ext uri="{28A0092B-C50C-407E-A947-70E740481C1C}">
                 <a14:useLocalDpi xmlns:a14="http://schemas.microsoft.com/office/drawing/2010/main" val="0"/>
@@ -6133,11 +6023,6 @@
         </p:spPr>
       </p:pic>
     </p:spTree>
-    <p:extLst>
-      <p:ext uri="{BB962C8B-B14F-4D97-AF65-F5344CB8AC3E}">
-        <p14:creationId xmlns:p14="http://schemas.microsoft.com/office/powerpoint/2010/main" val="2977165355"/>
-      </p:ext>
-    </p:extLst>
   </p:cSld>
   <p:clrMapOvr>
     <a:masterClrMapping/>
@@ -6164,13 +6049,7 @@
       </p:grpSpPr>
       <p:sp>
         <p:nvSpPr>
-          <p:cNvPr id="2" name="Title 1">
-            <a:extLst>
-              <a:ext uri="{FF2B5EF4-FFF2-40B4-BE49-F238E27FC236}">
-                <a16:creationId xmlns:a16="http://schemas.microsoft.com/office/drawing/2014/main" id="{0DF0CFA7-B352-4369-A64D-6FC03AE55CE9}"/>
-              </a:ext>
-            </a:extLst>
-          </p:cNvPr>
+          <p:cNvPr id="2" name="Title 1"/>
           <p:cNvSpPr>
             <a:spLocks noGrp="1"/>
           </p:cNvSpPr>
@@ -6230,13 +6109,7 @@
       </p:sp>
       <p:pic>
         <p:nvPicPr>
-          <p:cNvPr id="6" name="Content Placeholder 5">
-            <a:extLst>
-              <a:ext uri="{FF2B5EF4-FFF2-40B4-BE49-F238E27FC236}">
-                <a16:creationId xmlns:a16="http://schemas.microsoft.com/office/drawing/2014/main" id="{A91412E3-C62D-45B4-A472-0C97348B01A4}"/>
-              </a:ext>
-            </a:extLst>
-          </p:cNvPr>
+          <p:cNvPr id="6" name="Content Placeholder 5"/>
           <p:cNvPicPr>
             <a:picLocks noGrp="1" noChangeAspect="1"/>
           </p:cNvPicPr>
@@ -6245,7 +6118,7 @@
           </p:nvPr>
         </p:nvPicPr>
         <p:blipFill>
-          <a:blip r:embed="rId2">
+          <a:blip r:embed="rId1">
             <a:extLst>
               <a:ext uri="{28A0092B-C50C-407E-A947-70E740481C1C}">
                 <a14:useLocalDpi xmlns:a14="http://schemas.microsoft.com/office/drawing/2010/main" val="0"/>
@@ -6264,11 +6137,6 @@
         </p:spPr>
       </p:pic>
     </p:spTree>
-    <p:extLst>
-      <p:ext uri="{BB962C8B-B14F-4D97-AF65-F5344CB8AC3E}">
-        <p14:creationId xmlns:p14="http://schemas.microsoft.com/office/powerpoint/2010/main" val="2856749124"/>
-      </p:ext>
-    </p:extLst>
   </p:cSld>
   <p:clrMapOvr>
     <a:masterClrMapping/>
@@ -6295,13 +6163,7 @@
       </p:grpSpPr>
       <p:sp>
         <p:nvSpPr>
-          <p:cNvPr id="2" name="Title 1">
-            <a:extLst>
-              <a:ext uri="{FF2B5EF4-FFF2-40B4-BE49-F238E27FC236}">
-                <a16:creationId xmlns:a16="http://schemas.microsoft.com/office/drawing/2014/main" id="{B44E1B69-8AC4-447B-BDFD-5F1E9BB6F6A1}"/>
-              </a:ext>
-            </a:extLst>
-          </p:cNvPr>
+          <p:cNvPr id="2" name="Title 1"/>
           <p:cNvSpPr>
             <a:spLocks noGrp="1"/>
           </p:cNvSpPr>
@@ -6363,18 +6225,28 @@
               </a:rPr>
               <a:t>CẢM ƠN MỌI NGƯỜI ĐÃ THEO DÕI </a:t>
             </a:r>
-          </a:p>
-        </p:txBody>
-      </p:sp>
-      <p:sp>
-        <p:nvSpPr>
-          <p:cNvPr id="3" name="Content Placeholder 2">
-            <a:extLst>
-              <a:ext uri="{FF2B5EF4-FFF2-40B4-BE49-F238E27FC236}">
-                <a16:creationId xmlns:a16="http://schemas.microsoft.com/office/drawing/2014/main" id="{DA85B081-88E3-45EE-B0F2-ABC3695662FB}"/>
-              </a:ext>
-            </a:extLst>
-          </p:cNvPr>
+            <a:endParaRPr lang="en-US" sz="5400" b="1" cap="none">
+              <a:ln w="6600">
+                <a:solidFill>
+                  <a:schemeClr val="accent2"/>
+                </a:solidFill>
+                <a:prstDash val="solid"/>
+              </a:ln>
+              <a:solidFill>
+                <a:srgbClr val="FFFFFF"/>
+              </a:solidFill>
+              <a:effectLst>
+                <a:outerShdw dist="38100" dir="2700000" algn="tl" rotWithShape="0">
+                  <a:schemeClr val="accent2"/>
+                </a:outerShdw>
+              </a:effectLst>
+            </a:endParaRPr>
+          </a:p>
+        </p:txBody>
+      </p:sp>
+      <p:sp>
+        <p:nvSpPr>
+          <p:cNvPr id="3" name="Content Placeholder 2"/>
           <p:cNvSpPr>
             <a:spLocks noGrp="1"/>
           </p:cNvSpPr>
@@ -6399,11 +6271,6 @@
         </p:txBody>
       </p:sp>
     </p:spTree>
-    <p:extLst>
-      <p:ext uri="{BB962C8B-B14F-4D97-AF65-F5344CB8AC3E}">
-        <p14:creationId xmlns:p14="http://schemas.microsoft.com/office/powerpoint/2010/main" val="2860716541"/>
-      </p:ext>
-    </p:extLst>
   </p:cSld>
   <p:clrMapOvr>
     <a:masterClrMapping/>
@@ -6430,13 +6297,7 @@
       </p:grpSpPr>
       <p:sp>
         <p:nvSpPr>
-          <p:cNvPr id="2" name="Title 1">
-            <a:extLst>
-              <a:ext uri="{FF2B5EF4-FFF2-40B4-BE49-F238E27FC236}">
-                <a16:creationId xmlns:a16="http://schemas.microsoft.com/office/drawing/2014/main" id="{DAF08DDD-C6A6-4592-AACA-2224B80C1E85}"/>
-              </a:ext>
-            </a:extLst>
-          </p:cNvPr>
+          <p:cNvPr id="2" name="Title 1"/>
           <p:cNvSpPr>
             <a:spLocks noGrp="1"/>
           </p:cNvSpPr>
@@ -6462,18 +6323,17 @@
               </a:rPr>
               <a:t>Thành viên:</a:t>
             </a:r>
-          </a:p>
-        </p:txBody>
-      </p:sp>
-      <p:sp>
-        <p:nvSpPr>
-          <p:cNvPr id="3" name="Content Placeholder 2">
-            <a:extLst>
-              <a:ext uri="{FF2B5EF4-FFF2-40B4-BE49-F238E27FC236}">
-                <a16:creationId xmlns:a16="http://schemas.microsoft.com/office/drawing/2014/main" id="{B7B2485E-E526-4186-9B6B-611E1B389A79}"/>
-              </a:ext>
-            </a:extLst>
-          </p:cNvPr>
+            <a:endParaRPr lang="en-US">
+              <a:solidFill>
+                <a:srgbClr val="FF0000"/>
+              </a:solidFill>
+            </a:endParaRPr>
+          </a:p>
+        </p:txBody>
+      </p:sp>
+      <p:sp>
+        <p:nvSpPr>
+          <p:cNvPr id="3" name="Content Placeholder 2"/>
           <p:cNvSpPr>
             <a:spLocks noGrp="1"/>
           </p:cNvSpPr>
@@ -6504,6 +6364,11 @@
               </a:rPr>
               <a:t>1.Lê Thị Ánh Vi(Leader)</a:t>
             </a:r>
+            <a:endParaRPr lang="en-US" sz="2500">
+              <a:solidFill>
+                <a:srgbClr val="FFFF00"/>
+              </a:solidFill>
+            </a:endParaRPr>
           </a:p>
           <a:p>
             <a:pPr marL="0" indent="0">
@@ -6527,15 +6392,15 @@
               </a:rPr>
               <a:t>2.Nguyễn Thị Thuỳ Dương</a:t>
             </a:r>
+            <a:endParaRPr lang="en-US" sz="2500">
+              <a:solidFill>
+                <a:srgbClr val="FFFF00"/>
+              </a:solidFill>
+            </a:endParaRPr>
           </a:p>
         </p:txBody>
       </p:sp>
     </p:spTree>
-    <p:extLst>
-      <p:ext uri="{BB962C8B-B14F-4D97-AF65-F5344CB8AC3E}">
-        <p14:creationId xmlns:p14="http://schemas.microsoft.com/office/powerpoint/2010/main" val="3196806892"/>
-      </p:ext>
-    </p:extLst>
   </p:cSld>
   <p:clrMapOvr>
     <a:masterClrMapping/>
@@ -6562,13 +6427,7 @@
       </p:grpSpPr>
       <p:sp>
         <p:nvSpPr>
-          <p:cNvPr id="2" name="Title 1">
-            <a:extLst>
-              <a:ext uri="{FF2B5EF4-FFF2-40B4-BE49-F238E27FC236}">
-                <a16:creationId xmlns:a16="http://schemas.microsoft.com/office/drawing/2014/main" id="{252D1359-4B25-4B78-8737-2FE8661981D2}"/>
-              </a:ext>
-            </a:extLst>
-          </p:cNvPr>
+          <p:cNvPr id="2" name="Title 1"/>
           <p:cNvSpPr>
             <a:spLocks noGrp="1"/>
           </p:cNvSpPr>
@@ -6590,18 +6449,13 @@
               <a:rPr lang="en-US"/>
               <a:t>Nhật ký Hoạt động</a:t>
             </a:r>
-          </a:p>
-        </p:txBody>
-      </p:sp>
-      <p:sp>
-        <p:nvSpPr>
-          <p:cNvPr id="3" name="Content Placeholder 2">
-            <a:extLst>
-              <a:ext uri="{FF2B5EF4-FFF2-40B4-BE49-F238E27FC236}">
-                <a16:creationId xmlns:a16="http://schemas.microsoft.com/office/drawing/2014/main" id="{9EEA15B0-7FD2-4C24-9238-5793094CC71C}"/>
-              </a:ext>
-            </a:extLst>
-          </p:cNvPr>
+            <a:endParaRPr lang="en-US"/>
+          </a:p>
+        </p:txBody>
+      </p:sp>
+      <p:sp>
+        <p:nvSpPr>
+          <p:cNvPr id="3" name="Content Placeholder 2"/>
           <p:cNvSpPr>
             <a:spLocks noGrp="1"/>
           </p:cNvSpPr>
@@ -6633,6 +6487,14 @@
               </a:rPr>
               <a:t>Lê Thị Ánh Vi:</a:t>
             </a:r>
+            <a:endParaRPr lang="en-US" sz="3000">
+              <a:solidFill>
+                <a:schemeClr val="accent2">
+                  <a:lumMod val="60000"/>
+                  <a:lumOff val="40000"/>
+                </a:schemeClr>
+              </a:solidFill>
+            </a:endParaRPr>
           </a:p>
           <a:p>
             <a:pPr marL="635">
@@ -6651,7 +6513,7 @@
               </a:rPr>
               <a:t>Nghiêm cứu đề tài </a:t>
             </a:r>
-            <a:endParaRPr lang="en-US" sz="1800">
+            <a:endParaRPr lang="vi-VN" sz="1800">
               <a:solidFill>
                 <a:srgbClr val="FF0000"/>
               </a:solidFill>
@@ -6677,7 +6539,7 @@
               </a:rPr>
               <a:t>Viết SRS </a:t>
             </a:r>
-            <a:endParaRPr lang="en-US" sz="1800">
+            <a:endParaRPr lang="vi-VN" sz="1800">
               <a:solidFill>
                 <a:srgbClr val="FF0000"/>
               </a:solidFill>
@@ -6703,7 +6565,7 @@
               </a:rPr>
               <a:t>Viết SDS </a:t>
             </a:r>
-            <a:endParaRPr lang="en-US" sz="1800">
+            <a:endParaRPr lang="vi-VN" sz="1800">
               <a:solidFill>
                 <a:srgbClr val="FF0000"/>
               </a:solidFill>
@@ -6729,7 +6591,7 @@
               </a:rPr>
               <a:t>Viết báo cáo </a:t>
             </a:r>
-            <a:endParaRPr lang="en-US" sz="1800">
+            <a:endParaRPr lang="vi-VN" sz="1800">
               <a:solidFill>
                 <a:srgbClr val="FF0000"/>
               </a:solidFill>
@@ -6753,31 +6615,9 @@
                 <a:latin typeface="Times New Roman" panose="02020603050405020304" pitchFamily="18" charset="0"/>
                 <a:ea typeface="Times New Roman" panose="02020603050405020304" pitchFamily="18" charset="0"/>
               </a:rPr>
-              <a:t>Làm màn hình main, biên tập viên</a:t>
-            </a:r>
-            <a:r>
-              <a:rPr lang="en-US" sz="1800">
-                <a:solidFill>
-                  <a:srgbClr val="FF0000"/>
-                </a:solidFill>
-                <a:effectLst/>
-                <a:latin typeface="Times New Roman" panose="02020603050405020304" pitchFamily="18" charset="0"/>
-                <a:ea typeface="Times New Roman" panose="02020603050405020304" pitchFamily="18" charset="0"/>
-              </a:rPr>
-              <a:t>,Danh sách chi tiết</a:t>
-            </a:r>
-            <a:r>
-              <a:rPr lang="vi-VN" sz="1800">
-                <a:solidFill>
-                  <a:srgbClr val="FF0000"/>
-                </a:solidFill>
-                <a:effectLst/>
-                <a:latin typeface="Times New Roman" panose="02020603050405020304" pitchFamily="18" charset="0"/>
-                <a:ea typeface="Times New Roman" panose="02020603050405020304" pitchFamily="18" charset="0"/>
-              </a:rPr>
-              <a:t>.</a:t>
-            </a:r>
-            <a:endParaRPr lang="en-US" sz="1800">
+              <a:t>Làm mục Giao diện, Adapter, database</a:t>
+            </a:r>
+            <a:endParaRPr lang="vi-VN" sz="1800">
               <a:solidFill>
                 <a:srgbClr val="FF0000"/>
               </a:solidFill>
@@ -6801,9 +6641,9 @@
                 <a:latin typeface="Times New Roman" panose="02020603050405020304" pitchFamily="18" charset="0"/>
                 <a:ea typeface="Times New Roman" panose="02020603050405020304" pitchFamily="18" charset="0"/>
               </a:rPr>
-              <a:t>Làm UI</a:t>
-            </a:r>
-            <a:endParaRPr lang="en-US" sz="1800">
+              <a:t>Làm UI phần thể loại, Chương trình phát sóng, danh sách chi tiết.</a:t>
+            </a:r>
+            <a:endParaRPr lang="vi-VN" sz="1800">
               <a:solidFill>
                 <a:srgbClr val="FF0000"/>
               </a:solidFill>
@@ -6813,24 +6653,6 @@
             </a:endParaRPr>
           </a:p>
           <a:p>
-            <a:r>
-              <a:rPr lang="vi-VN" sz="1800">
-                <a:solidFill>
-                  <a:srgbClr val="FF0000"/>
-                </a:solidFill>
-                <a:effectLst/>
-                <a:latin typeface="Times New Roman" panose="02020603050405020304" pitchFamily="18" charset="0"/>
-                <a:ea typeface="Times New Roman" panose="02020603050405020304" pitchFamily="18" charset="0"/>
-              </a:rPr>
-              <a:t>Báo cáo cuối kỳ </a:t>
-            </a:r>
-            <a:endParaRPr lang="en-US">
-              <a:solidFill>
-                <a:srgbClr val="FF0000"/>
-              </a:solidFill>
-            </a:endParaRPr>
-          </a:p>
-          <a:p>
             <a:pPr marL="0" indent="0">
               <a:buNone/>
             </a:pPr>
@@ -6839,11 +6661,6 @@
         </p:txBody>
       </p:sp>
     </p:spTree>
-    <p:extLst>
-      <p:ext uri="{BB962C8B-B14F-4D97-AF65-F5344CB8AC3E}">
-        <p14:creationId xmlns:p14="http://schemas.microsoft.com/office/powerpoint/2010/main" val="117420368"/>
-      </p:ext>
-    </p:extLst>
   </p:cSld>
   <p:clrMapOvr>
     <a:masterClrMapping/>
@@ -6870,13 +6687,7 @@
       </p:grpSpPr>
       <p:sp>
         <p:nvSpPr>
-          <p:cNvPr id="2" name="Title 1">
-            <a:extLst>
-              <a:ext uri="{FF2B5EF4-FFF2-40B4-BE49-F238E27FC236}">
-                <a16:creationId xmlns:a16="http://schemas.microsoft.com/office/drawing/2014/main" id="{252D1359-4B25-4B78-8737-2FE8661981D2}"/>
-              </a:ext>
-            </a:extLst>
-          </p:cNvPr>
+          <p:cNvPr id="2" name="Title 1"/>
           <p:cNvSpPr>
             <a:spLocks noGrp="1"/>
           </p:cNvSpPr>
@@ -6898,18 +6709,13 @@
               <a:rPr lang="en-US"/>
               <a:t>Nhật ký Hoạt động</a:t>
             </a:r>
-          </a:p>
-        </p:txBody>
-      </p:sp>
-      <p:sp>
-        <p:nvSpPr>
-          <p:cNvPr id="3" name="Content Placeholder 2">
-            <a:extLst>
-              <a:ext uri="{FF2B5EF4-FFF2-40B4-BE49-F238E27FC236}">
-                <a16:creationId xmlns:a16="http://schemas.microsoft.com/office/drawing/2014/main" id="{9EEA15B0-7FD2-4C24-9238-5793094CC71C}"/>
-              </a:ext>
-            </a:extLst>
-          </p:cNvPr>
+            <a:endParaRPr lang="en-US"/>
+          </a:p>
+        </p:txBody>
+      </p:sp>
+      <p:sp>
+        <p:nvSpPr>
+          <p:cNvPr id="3" name="Content Placeholder 2"/>
           <p:cNvSpPr>
             <a:spLocks noGrp="1"/>
           </p:cNvSpPr>
@@ -6941,6 +6747,14 @@
               </a:rPr>
               <a:t>Nguyễn Thị Thuỳ Dương:</a:t>
             </a:r>
+            <a:endParaRPr lang="en-US" sz="3000">
+              <a:solidFill>
+                <a:schemeClr val="accent2">
+                  <a:lumMod val="60000"/>
+                  <a:lumOff val="40000"/>
+                </a:schemeClr>
+              </a:solidFill>
+            </a:endParaRPr>
           </a:p>
           <a:p>
             <a:pPr marL="635">
@@ -6959,7 +6773,7 @@
               </a:rPr>
               <a:t>Nghiêm cứu đề tài </a:t>
             </a:r>
-            <a:endParaRPr lang="en-US" sz="1800">
+            <a:endParaRPr lang="vi-VN" sz="1800">
               <a:solidFill>
                 <a:srgbClr val="FF0000"/>
               </a:solidFill>
@@ -6985,7 +6799,7 @@
               </a:rPr>
               <a:t>Viết SRS </a:t>
             </a:r>
-            <a:endParaRPr lang="en-US" sz="1800">
+            <a:endParaRPr lang="vi-VN" sz="1800">
               <a:solidFill>
                 <a:srgbClr val="FF0000"/>
               </a:solidFill>
@@ -7011,7 +6825,7 @@
               </a:rPr>
               <a:t>Viết SDS </a:t>
             </a:r>
-            <a:endParaRPr lang="en-US" sz="1800">
+            <a:endParaRPr lang="vi-VN" sz="1800">
               <a:solidFill>
                 <a:srgbClr val="FF0000"/>
               </a:solidFill>
@@ -7035,9 +6849,9 @@
                 <a:latin typeface="Times New Roman" panose="02020603050405020304" pitchFamily="18" charset="0"/>
                 <a:ea typeface="Times New Roman" panose="02020603050405020304" pitchFamily="18" charset="0"/>
               </a:rPr>
-              <a:t>Làm màn hình thể loại, thông tin phát sóng.</a:t>
-            </a:r>
-            <a:endParaRPr lang="en-US" sz="1800">
+              <a:t>Làm mục model và Giao diện</a:t>
+            </a:r>
+            <a:endParaRPr lang="vi-VN" sz="1800">
               <a:solidFill>
                 <a:srgbClr val="FF0000"/>
               </a:solidFill>
@@ -7061,9 +6875,9 @@
                 <a:latin typeface="Times New Roman" panose="02020603050405020304" pitchFamily="18" charset="0"/>
                 <a:ea typeface="Times New Roman" panose="02020603050405020304" pitchFamily="18" charset="0"/>
               </a:rPr>
-              <a:t>Thiết kế 1 main, thể loại của UI</a:t>
-            </a:r>
-            <a:endParaRPr lang="en-US" sz="1800">
+              <a:t>Thiết kế UI phần BTV, main</a:t>
+            </a:r>
+            <a:endParaRPr lang="vi-VN" sz="1800">
               <a:solidFill>
                 <a:srgbClr val="FF0000"/>
               </a:solidFill>
@@ -7073,6 +6887,32 @@
             </a:endParaRPr>
           </a:p>
           <a:p>
+            <a:pPr marL="635">
+              <a:spcAft>
+                <a:spcPts val="0"/>
+              </a:spcAft>
+            </a:pPr>
+            <a:r>
+              <a:rPr lang="vi-VN" sz="1800">
+                <a:solidFill>
+                  <a:srgbClr val="FF0000"/>
+                </a:solidFill>
+                <a:effectLst/>
+                <a:latin typeface="Times New Roman" panose="02020603050405020304" pitchFamily="18" charset="0"/>
+                <a:ea typeface="Times New Roman" panose="02020603050405020304" pitchFamily="18" charset="0"/>
+              </a:rPr>
+              <a:t>Báo cáo cuối kỳ word, PowerPoin</a:t>
+            </a:r>
+            <a:endParaRPr lang="vi-VN" sz="1800">
+              <a:solidFill>
+                <a:srgbClr val="FF0000"/>
+              </a:solidFill>
+              <a:effectLst/>
+              <a:latin typeface="Times New Roman" panose="02020603050405020304" pitchFamily="18" charset="0"/>
+              <a:ea typeface="Times New Roman" panose="02020603050405020304" pitchFamily="18" charset="0"/>
+            </a:endParaRPr>
+          </a:p>
+          <a:p>
             <a:r>
               <a:rPr lang="vi-VN" sz="1800">
                 <a:solidFill>
@@ -7093,11 +6933,6 @@
         </p:txBody>
       </p:sp>
     </p:spTree>
-    <p:extLst>
-      <p:ext uri="{BB962C8B-B14F-4D97-AF65-F5344CB8AC3E}">
-        <p14:creationId xmlns:p14="http://schemas.microsoft.com/office/powerpoint/2010/main" val="1703026971"/>
-      </p:ext>
-    </p:extLst>
   </p:cSld>
   <p:clrMapOvr>
     <a:masterClrMapping/>
@@ -7124,13 +6959,7 @@
       </p:grpSpPr>
       <p:sp>
         <p:nvSpPr>
-          <p:cNvPr id="2" name="Title 1">
-            <a:extLst>
-              <a:ext uri="{FF2B5EF4-FFF2-40B4-BE49-F238E27FC236}">
-                <a16:creationId xmlns:a16="http://schemas.microsoft.com/office/drawing/2014/main" id="{72B4F099-EAF3-4884-902D-BEA501C9F9ED}"/>
-              </a:ext>
-            </a:extLst>
-          </p:cNvPr>
+          <p:cNvPr id="2" name="Title 1"/>
           <p:cNvSpPr>
             <a:spLocks noGrp="1"/>
           </p:cNvSpPr>
@@ -7201,15 +7030,35 @@
               </a:rPr>
               <a:t>PHÂN TÍCH CẤU TRÚC HỆ THỐNG</a:t>
             </a:r>
+            <a:endParaRPr lang="en-US" sz="5400" cap="none">
+              <a:ln w="0"/>
+              <a:gradFill>
+                <a:gsLst>
+                  <a:gs pos="0">
+                    <a:schemeClr val="accent5">
+                      <a:lumMod val="50000"/>
+                    </a:schemeClr>
+                  </a:gs>
+                  <a:gs pos="50000">
+                    <a:schemeClr val="accent5"/>
+                  </a:gs>
+                  <a:gs pos="100000">
+                    <a:schemeClr val="accent5">
+                      <a:lumMod val="60000"/>
+                      <a:lumOff val="40000"/>
+                    </a:schemeClr>
+                  </a:gs>
+                </a:gsLst>
+                <a:lin ang="5400000"/>
+              </a:gradFill>
+              <a:effectLst>
+                <a:reflection blurRad="6350" stA="53000" endA="300" endPos="35500" dir="5400000" sy="-90000" algn="bl" rotWithShape="0"/>
+              </a:effectLst>
+            </a:endParaRPr>
           </a:p>
         </p:txBody>
       </p:sp>
     </p:spTree>
-    <p:extLst>
-      <p:ext uri="{BB962C8B-B14F-4D97-AF65-F5344CB8AC3E}">
-        <p14:creationId xmlns:p14="http://schemas.microsoft.com/office/powerpoint/2010/main" val="2407990235"/>
-      </p:ext>
-    </p:extLst>
   </p:cSld>
   <p:clrMapOvr>
     <a:masterClrMapping/>
@@ -7236,13 +7085,7 @@
       </p:grpSpPr>
       <p:sp>
         <p:nvSpPr>
-          <p:cNvPr id="2" name="Title 1">
-            <a:extLst>
-              <a:ext uri="{FF2B5EF4-FFF2-40B4-BE49-F238E27FC236}">
-                <a16:creationId xmlns:a16="http://schemas.microsoft.com/office/drawing/2014/main" id="{0DF0CFA7-B352-4369-A64D-6FC03AE55CE9}"/>
-              </a:ext>
-            </a:extLst>
-          </p:cNvPr>
+          <p:cNvPr id="2" name="Title 1"/>
           <p:cNvSpPr>
             <a:spLocks noGrp="1"/>
           </p:cNvSpPr>
@@ -7290,13 +7133,7 @@
       </p:sp>
       <p:sp>
         <p:nvSpPr>
-          <p:cNvPr id="3" name="Content Placeholder 2">
-            <a:extLst>
-              <a:ext uri="{FF2B5EF4-FFF2-40B4-BE49-F238E27FC236}">
-                <a16:creationId xmlns:a16="http://schemas.microsoft.com/office/drawing/2014/main" id="{5F717C17-966B-4AA0-87C0-98AAB2AB9B83}"/>
-              </a:ext>
-            </a:extLst>
-          </p:cNvPr>
+          <p:cNvPr id="3" name="Content Placeholder 2"/>
           <p:cNvSpPr>
             <a:spLocks noGrp="1"/>
           </p:cNvSpPr>
@@ -7322,18 +7159,12 @@
       </p:sp>
       <p:pic>
         <p:nvPicPr>
-          <p:cNvPr id="6" name="Picture 5">
-            <a:extLst>
-              <a:ext uri="{FF2B5EF4-FFF2-40B4-BE49-F238E27FC236}">
-                <a16:creationId xmlns:a16="http://schemas.microsoft.com/office/drawing/2014/main" id="{332209CE-9F9D-4588-A863-0036FE27BAE7}"/>
-              </a:ext>
-            </a:extLst>
-          </p:cNvPr>
+          <p:cNvPr id="6" name="Picture 5"/>
           <p:cNvPicPr/>
           <p:nvPr/>
         </p:nvPicPr>
         <p:blipFill>
-          <a:blip r:embed="rId2"/>
+          <a:blip r:embed="rId1"/>
           <a:stretch>
             <a:fillRect/>
           </a:stretch>
@@ -7349,11 +7180,6 @@
         </p:spPr>
       </p:pic>
     </p:spTree>
-    <p:extLst>
-      <p:ext uri="{BB962C8B-B14F-4D97-AF65-F5344CB8AC3E}">
-        <p14:creationId xmlns:p14="http://schemas.microsoft.com/office/powerpoint/2010/main" val="3039961935"/>
-      </p:ext>
-    </p:extLst>
   </p:cSld>
   <p:clrMapOvr>
     <a:masterClrMapping/>
@@ -7380,13 +7206,7 @@
       </p:grpSpPr>
       <p:sp>
         <p:nvSpPr>
-          <p:cNvPr id="2" name="Title 1">
-            <a:extLst>
-              <a:ext uri="{FF2B5EF4-FFF2-40B4-BE49-F238E27FC236}">
-                <a16:creationId xmlns:a16="http://schemas.microsoft.com/office/drawing/2014/main" id="{0DF0CFA7-B352-4369-A64D-6FC03AE55CE9}"/>
-              </a:ext>
-            </a:extLst>
-          </p:cNvPr>
+          <p:cNvPr id="2" name="Title 1"/>
           <p:cNvSpPr>
             <a:spLocks noGrp="1"/>
           </p:cNvSpPr>
@@ -7446,13 +7266,7 @@
       </p:sp>
       <p:pic>
         <p:nvPicPr>
-          <p:cNvPr id="5" name="Content Placeholder 4">
-            <a:extLst>
-              <a:ext uri="{FF2B5EF4-FFF2-40B4-BE49-F238E27FC236}">
-                <a16:creationId xmlns:a16="http://schemas.microsoft.com/office/drawing/2014/main" id="{4F3FC089-2B53-4776-BF1A-B03477407B0D}"/>
-              </a:ext>
-            </a:extLst>
-          </p:cNvPr>
+          <p:cNvPr id="5" name="Content Placeholder 4"/>
           <p:cNvPicPr>
             <a:picLocks noGrp="1" noChangeAspect="1"/>
           </p:cNvPicPr>
@@ -7461,7 +7275,7 @@
           </p:nvPr>
         </p:nvPicPr>
         <p:blipFill>
-          <a:blip r:embed="rId2">
+          <a:blip r:embed="rId1">
             <a:extLst>
               <a:ext uri="{28A0092B-C50C-407E-A947-70E740481C1C}">
                 <a14:useLocalDpi xmlns:a14="http://schemas.microsoft.com/office/drawing/2010/main" val="0"/>
@@ -7480,11 +7294,6 @@
         </p:spPr>
       </p:pic>
     </p:spTree>
-    <p:extLst>
-      <p:ext uri="{BB962C8B-B14F-4D97-AF65-F5344CB8AC3E}">
-        <p14:creationId xmlns:p14="http://schemas.microsoft.com/office/powerpoint/2010/main" val="166617091"/>
-      </p:ext>
-    </p:extLst>
   </p:cSld>
   <p:clrMapOvr>
     <a:masterClrMapping/>
@@ -7511,13 +7320,7 @@
       </p:grpSpPr>
       <p:sp>
         <p:nvSpPr>
-          <p:cNvPr id="2" name="Title 1">
-            <a:extLst>
-              <a:ext uri="{FF2B5EF4-FFF2-40B4-BE49-F238E27FC236}">
-                <a16:creationId xmlns:a16="http://schemas.microsoft.com/office/drawing/2014/main" id="{0DF0CFA7-B352-4369-A64D-6FC03AE55CE9}"/>
-              </a:ext>
-            </a:extLst>
-          </p:cNvPr>
+          <p:cNvPr id="2" name="Title 1"/>
           <p:cNvSpPr>
             <a:spLocks noGrp="1"/>
           </p:cNvSpPr>
@@ -7577,13 +7380,7 @@
       </p:sp>
       <p:pic>
         <p:nvPicPr>
-          <p:cNvPr id="7" name="Content Placeholder 6">
-            <a:extLst>
-              <a:ext uri="{FF2B5EF4-FFF2-40B4-BE49-F238E27FC236}">
-                <a16:creationId xmlns:a16="http://schemas.microsoft.com/office/drawing/2014/main" id="{54E285F1-5CF6-4BE9-B24C-84DFCC4DF470}"/>
-              </a:ext>
-            </a:extLst>
-          </p:cNvPr>
+          <p:cNvPr id="7" name="Content Placeholder 6"/>
           <p:cNvPicPr>
             <a:picLocks noGrp="1" noChangeAspect="1"/>
           </p:cNvPicPr>
@@ -7592,7 +7389,7 @@
           </p:nvPr>
         </p:nvPicPr>
         <p:blipFill>
-          <a:blip r:embed="rId2">
+          <a:blip r:embed="rId1">
             <a:extLst>
               <a:ext uri="{28A0092B-C50C-407E-A947-70E740481C1C}">
                 <a14:useLocalDpi xmlns:a14="http://schemas.microsoft.com/office/drawing/2010/main" val="0"/>
@@ -7611,11 +7408,6 @@
         </p:spPr>
       </p:pic>
     </p:spTree>
-    <p:extLst>
-      <p:ext uri="{BB962C8B-B14F-4D97-AF65-F5344CB8AC3E}">
-        <p14:creationId xmlns:p14="http://schemas.microsoft.com/office/powerpoint/2010/main" val="3911901929"/>
-      </p:ext>
-    </p:extLst>
   </p:cSld>
   <p:clrMapOvr>
     <a:masterClrMapping/>
@@ -7642,13 +7434,7 @@
       </p:grpSpPr>
       <p:sp>
         <p:nvSpPr>
-          <p:cNvPr id="2" name="Title 1">
-            <a:extLst>
-              <a:ext uri="{FF2B5EF4-FFF2-40B4-BE49-F238E27FC236}">
-                <a16:creationId xmlns:a16="http://schemas.microsoft.com/office/drawing/2014/main" id="{0DF0CFA7-B352-4369-A64D-6FC03AE55CE9}"/>
-              </a:ext>
-            </a:extLst>
-          </p:cNvPr>
+          <p:cNvPr id="2" name="Title 1"/>
           <p:cNvSpPr>
             <a:spLocks noGrp="1"/>
           </p:cNvSpPr>
@@ -7708,19 +7494,40 @@
       </p:sp>
       <p:pic>
         <p:nvPicPr>
-          <p:cNvPr id="6" name="Content Placeholder 5">
-            <a:extLst>
-              <a:ext uri="{FF2B5EF4-FFF2-40B4-BE49-F238E27FC236}">
-                <a16:creationId xmlns:a16="http://schemas.microsoft.com/office/drawing/2014/main" id="{E5319D91-606E-4A20-B985-959AE79F6547}"/>
-              </a:ext>
-            </a:extLst>
-          </p:cNvPr>
+          <p:cNvPr id="6" name="Content Placeholder 5"/>
           <p:cNvPicPr>
             <a:picLocks noGrp="1" noChangeAspect="1"/>
           </p:cNvPicPr>
           <p:nvPr>
             <p:ph idx="1"/>
           </p:nvPr>
+        </p:nvPicPr>
+        <p:blipFill>
+          <a:blip r:embed="rId1">
+            <a:extLst>
+              <a:ext uri="{28A0092B-C50C-407E-A947-70E740481C1C}">
+                <a14:useLocalDpi xmlns:a14="http://schemas.microsoft.com/office/drawing/2010/main" val="0"/>
+              </a:ext>
+            </a:extLst>
+          </a:blip>
+          <a:stretch>
+            <a:fillRect/>
+          </a:stretch>
+        </p:blipFill>
+        <p:spPr>
+          <a:xfrm>
+            <a:off x="1940904" y="1404891"/>
+            <a:ext cx="3066102" cy="4949762"/>
+          </a:xfrm>
+        </p:spPr>
+      </p:pic>
+      <p:pic>
+        <p:nvPicPr>
+          <p:cNvPr id="8" name="Content Placeholder 6"/>
+          <p:cNvPicPr>
+            <a:picLocks noChangeAspect="1"/>
+          </p:cNvPicPr>
+          <p:nvPr/>
         </p:nvPicPr>
         <p:blipFill>
           <a:blip r:embed="rId2">
@@ -7736,39 +7543,6 @@
         </p:blipFill>
         <p:spPr>
           <a:xfrm>
-            <a:off x="1940904" y="1404891"/>
-            <a:ext cx="3066102" cy="4949762"/>
-          </a:xfrm>
-        </p:spPr>
-      </p:pic>
-      <p:pic>
-        <p:nvPicPr>
-          <p:cNvPr id="8" name="Content Placeholder 6">
-            <a:extLst>
-              <a:ext uri="{FF2B5EF4-FFF2-40B4-BE49-F238E27FC236}">
-                <a16:creationId xmlns:a16="http://schemas.microsoft.com/office/drawing/2014/main" id="{519719B8-1F71-4C79-BC86-ED8107F5E8B8}"/>
-              </a:ext>
-            </a:extLst>
-          </p:cNvPr>
-          <p:cNvPicPr>
-            <a:picLocks noChangeAspect="1"/>
-          </p:cNvPicPr>
-          <p:nvPr/>
-        </p:nvPicPr>
-        <p:blipFill>
-          <a:blip r:embed="rId3">
-            <a:extLst>
-              <a:ext uri="{28A0092B-C50C-407E-A947-70E740481C1C}">
-                <a14:useLocalDpi xmlns:a14="http://schemas.microsoft.com/office/drawing/2010/main" val="0"/>
-              </a:ext>
-            </a:extLst>
-          </a:blip>
-          <a:stretch>
-            <a:fillRect/>
-          </a:stretch>
-        </p:blipFill>
-        <p:spPr>
-          <a:xfrm>
             <a:off x="6902978" y="1502545"/>
             <a:ext cx="3022258" cy="4960399"/>
           </a:xfrm>
@@ -7778,11 +7552,6 @@
         </p:spPr>
       </p:pic>
     </p:spTree>
-    <p:extLst>
-      <p:ext uri="{BB962C8B-B14F-4D97-AF65-F5344CB8AC3E}">
-        <p14:creationId xmlns:p14="http://schemas.microsoft.com/office/powerpoint/2010/main" val="437104674"/>
-      </p:ext>
-    </p:extLst>
   </p:cSld>
   <p:clrMapOvr>
     <a:masterClrMapping/>
@@ -7833,7 +7602,7 @@
     </a:clrScheme>
     <a:fontScheme name="Slice">
       <a:majorFont>
-        <a:latin typeface="Century Gothic" panose="020B0502020202020204"/>
+        <a:latin typeface="Century Gothic"/>
         <a:ea typeface=""/>
         <a:cs typeface=""/>
         <a:font script="Jpan" typeface="メイリオ"/>
@@ -7868,7 +7637,7 @@
         <a:font script="Geor" typeface="Sylfaen"/>
       </a:majorFont>
       <a:minorFont>
-        <a:latin typeface="Century Gothic" panose="020B0502020202020204"/>
+        <a:latin typeface="Century Gothic"/>
         <a:ea typeface=""/>
         <a:cs typeface=""/>
         <a:font script="Jpan" typeface="メイリオ"/>
@@ -8054,11 +7823,9 @@
       </a:bgFillStyleLst>
     </a:fmtScheme>
   </a:themeElements>
-  <a:objectDefaults/>
-  <a:extraClrSchemeLst/>
   <a:extLst>
     <a:ext uri="{05A4C25C-085E-4340-85A3-A5531E510DB2}">
-      <thm15:themeFamily xmlns:thm15="http://schemas.microsoft.com/office/thememl/2012/main" name="Slice" id="{0507925B-6AC9-4358-8E18-C330545D08F8}" vid="{13FEC7C6-62A9-40C4-99D2-581AACACAA2F}"/>
+      <thm15:themeFamily xmlns:thm15="http://schemas.microsoft.com/office/thememl/2012/main" name="Office Theme" id="{62F939B6-93AF-4DB8-9C6B-D6C7DFDC589F}" vid="{4A3C46E8-61CC-4603-A589-7422A47A8E4A}"/>
     </a:ext>
   </a:extLst>
 </a:theme>
